--- a/capstoneslides.pptx
+++ b/capstoneslides.pptx
@@ -10241,7 +10241,7 @@
           <a:p>
             <a:r>
               <a:rPr lang="en-US" dirty="0"/>
-              <a:t>Table of Contents</a:t>
+              <a:t>Executive summary</a:t>
             </a:r>
           </a:p>
         </p:txBody>
@@ -10271,55 +10271,76 @@
           <a:p>
             <a:r>
               <a:rPr lang="en-US" dirty="0"/>
-              <a:t>Cover Page – title of the presentation, name, date</a:t>
-            </a:r>
-          </a:p>
-          <a:p>
-            <a:r>
-              <a:rPr lang="en-US" dirty="0"/>
-              <a:t>Executive Summary</a:t>
-            </a:r>
-          </a:p>
-          <a:p>
-            <a:r>
-              <a:rPr lang="en-US" dirty="0"/>
-              <a:t>Table of Contents – sections and subsections</a:t>
-            </a:r>
-          </a:p>
-          <a:p>
-            <a:r>
-              <a:rPr lang="en-US" dirty="0"/>
-              <a:t>Introduction</a:t>
-            </a:r>
-          </a:p>
-          <a:p>
-            <a:r>
-              <a:rPr lang="en-US" dirty="0"/>
               <a:t>Methodology</a:t>
             </a:r>
           </a:p>
           <a:p>
+            <a:pPr lvl="1"/>
+            <a:r>
+              <a:rPr lang="en-US" dirty="0"/>
+              <a:t>Data collection – API and web scraping</a:t>
+            </a:r>
+          </a:p>
+          <a:p>
+            <a:pPr lvl="1"/>
+            <a:r>
+              <a:rPr lang="en-US" dirty="0"/>
+              <a:t>Data Wrangling – NA value and encoding</a:t>
+            </a:r>
+          </a:p>
+          <a:p>
+            <a:pPr lvl="1"/>
+            <a:r>
+              <a:rPr lang="en-US" dirty="0"/>
+              <a:t>EDA with SQL</a:t>
+            </a:r>
+          </a:p>
+          <a:p>
+            <a:pPr lvl="1"/>
+            <a:r>
+              <a:rPr lang="en-US" dirty="0"/>
+              <a:t>EDA with visualization</a:t>
+            </a:r>
+          </a:p>
+          <a:p>
+            <a:pPr lvl="1"/>
+            <a:r>
+              <a:rPr lang="en-US" dirty="0"/>
+              <a:t>Interactive visualization with Folium and Dashboard</a:t>
+            </a:r>
+          </a:p>
+          <a:p>
+            <a:pPr lvl="1"/>
+            <a:r>
+              <a:rPr lang="en-US" dirty="0"/>
+              <a:t>Predictive models</a:t>
+            </a:r>
+          </a:p>
+          <a:p>
             <a:r>
               <a:rPr lang="en-US" dirty="0"/>
               <a:t>Results</a:t>
             </a:r>
           </a:p>
           <a:p>
-            <a:r>
-              <a:rPr lang="en-US" dirty="0"/>
-              <a:t>Discussion</a:t>
-            </a:r>
-          </a:p>
-          <a:p>
-            <a:r>
-              <a:rPr lang="en-US" dirty="0"/>
-              <a:t>Conclusion</a:t>
-            </a:r>
-          </a:p>
-          <a:p>
-            <a:r>
-              <a:rPr lang="en-US" dirty="0"/>
-              <a:t>Appendix</a:t>
+            <a:pPr lvl="1"/>
+            <a:r>
+              <a:rPr lang="en-US" dirty="0"/>
+              <a:t>EDA – descriptive statistics and visualizations</a:t>
+            </a:r>
+          </a:p>
+          <a:p>
+            <a:pPr lvl="1"/>
+            <a:r>
+              <a:rPr lang="en-US" dirty="0"/>
+              <a:t>Interactive visualizations and implications</a:t>
+            </a:r>
+          </a:p>
+          <a:p>
+            <a:pPr lvl="1"/>
+            <a:r>
+              <a:rPr lang="en-US" dirty="0"/>
+              <a:t>Predictive analysis and model choice</a:t>
             </a:r>
           </a:p>
         </p:txBody>
